--- a/coop2023.pptx
+++ b/coop2023.pptx
@@ -307,7 +307,7 @@
           <a:p>
             <a:fld id="{F5322EAD-D2F7-4471-A3D4-D7CBA503C35D}" type="datetimeFigureOut">
               <a:rPr lang="en-CA" smtClean="0"/>
-              <a:t>2023-11-23</a:t>
+              <a:t>2023-11-26</a:t>
             </a:fld>
             <a:endParaRPr lang="en-CA"/>
           </a:p>
@@ -477,7 +477,7 @@
           <a:p>
             <a:fld id="{F5322EAD-D2F7-4471-A3D4-D7CBA503C35D}" type="datetimeFigureOut">
               <a:rPr lang="en-CA" smtClean="0"/>
-              <a:t>2023-11-23</a:t>
+              <a:t>2023-11-26</a:t>
             </a:fld>
             <a:endParaRPr lang="en-CA"/>
           </a:p>
@@ -700,7 +700,7 @@
           <a:p>
             <a:fld id="{F5322EAD-D2F7-4471-A3D4-D7CBA503C35D}" type="datetimeFigureOut">
               <a:rPr lang="en-CA" smtClean="0"/>
-              <a:t>2023-11-23</a:t>
+              <a:t>2023-11-26</a:t>
             </a:fld>
             <a:endParaRPr lang="en-CA"/>
           </a:p>
@@ -880,7 +880,7 @@
           <a:p>
             <a:fld id="{F5322EAD-D2F7-4471-A3D4-D7CBA503C35D}" type="datetimeFigureOut">
               <a:rPr lang="en-CA" smtClean="0"/>
-              <a:t>2023-11-23</a:t>
+              <a:t>2023-11-26</a:t>
             </a:fld>
             <a:endParaRPr lang="en-CA"/>
           </a:p>
@@ -1186,7 +1186,7 @@
           <a:p>
             <a:fld id="{F5322EAD-D2F7-4471-A3D4-D7CBA503C35D}" type="datetimeFigureOut">
               <a:rPr lang="en-CA" smtClean="0"/>
-              <a:t>2023-11-23</a:t>
+              <a:t>2023-11-26</a:t>
             </a:fld>
             <a:endParaRPr lang="en-CA"/>
           </a:p>
@@ -1490,7 +1490,7 @@
           <a:p>
             <a:fld id="{F5322EAD-D2F7-4471-A3D4-D7CBA503C35D}" type="datetimeFigureOut">
               <a:rPr lang="en-CA" smtClean="0"/>
-              <a:t>2023-11-23</a:t>
+              <a:t>2023-11-26</a:t>
             </a:fld>
             <a:endParaRPr lang="en-CA"/>
           </a:p>
@@ -1912,7 +1912,7 @@
           <a:p>
             <a:fld id="{F5322EAD-D2F7-4471-A3D4-D7CBA503C35D}" type="datetimeFigureOut">
               <a:rPr lang="en-CA" smtClean="0"/>
-              <a:t>2023-11-23</a:t>
+              <a:t>2023-11-26</a:t>
             </a:fld>
             <a:endParaRPr lang="en-CA"/>
           </a:p>
@@ -2030,7 +2030,7 @@
           <a:p>
             <a:fld id="{F5322EAD-D2F7-4471-A3D4-D7CBA503C35D}" type="datetimeFigureOut">
               <a:rPr lang="en-CA" smtClean="0"/>
-              <a:t>2023-11-23</a:t>
+              <a:t>2023-11-26</a:t>
             </a:fld>
             <a:endParaRPr lang="en-CA"/>
           </a:p>
@@ -2125,7 +2125,7 @@
           <a:p>
             <a:fld id="{F5322EAD-D2F7-4471-A3D4-D7CBA503C35D}" type="datetimeFigureOut">
               <a:rPr lang="en-CA" smtClean="0"/>
-              <a:t>2023-11-23</a:t>
+              <a:t>2023-11-26</a:t>
             </a:fld>
             <a:endParaRPr lang="en-CA"/>
           </a:p>
@@ -2398,7 +2398,7 @@
           <a:p>
             <a:fld id="{F5322EAD-D2F7-4471-A3D4-D7CBA503C35D}" type="datetimeFigureOut">
               <a:rPr lang="en-CA" smtClean="0"/>
-              <a:t>2023-11-23</a:t>
+              <a:t>2023-11-26</a:t>
             </a:fld>
             <a:endParaRPr lang="en-CA"/>
           </a:p>
@@ -2663,7 +2663,7 @@
           <a:p>
             <a:fld id="{F5322EAD-D2F7-4471-A3D4-D7CBA503C35D}" type="datetimeFigureOut">
               <a:rPr lang="en-CA" smtClean="0"/>
-              <a:t>2023-11-23</a:t>
+              <a:t>2023-11-26</a:t>
             </a:fld>
             <a:endParaRPr lang="en-CA"/>
           </a:p>
@@ -2912,7 +2912,7 @@
           <a:p>
             <a:fld id="{F5322EAD-D2F7-4471-A3D4-D7CBA503C35D}" type="datetimeFigureOut">
               <a:rPr lang="en-CA" smtClean="0"/>
-              <a:t>2023-11-23</a:t>
+              <a:t>2023-11-26</a:t>
             </a:fld>
             <a:endParaRPr lang="en-CA"/>
           </a:p>
@@ -6795,6 +6795,23 @@
 </file>
 
 <file path=customXml/item1.xml><?xml version="1.0" encoding="utf-8"?>
+<p:properties xmlns:p="http://schemas.microsoft.com/office/2006/metadata/properties" xmlns:xsi="http://www.w3.org/2001/XMLSchema-instance" xmlns:pc="http://schemas.microsoft.com/office/infopath/2007/PartnerControls">
+  <documentManagement>
+    <_activity xmlns="75817c9f-a069-4af9-bf19-88a4203e567d" xsi:nil="true"/>
+  </documentManagement>
+</p:properties>
+</file>
+
+<file path=customXml/item2.xml><?xml version="1.0" encoding="utf-8"?>
+<?mso-contentType ?>
+<FormTemplates xmlns="http://schemas.microsoft.com/sharepoint/v3/contenttype/forms">
+  <Display>DocumentLibraryForm</Display>
+  <Edit>DocumentLibraryForm</Edit>
+  <New>DocumentLibraryForm</New>
+</FormTemplates>
+</file>
+
+<file path=customXml/item3.xml><?xml version="1.0" encoding="utf-8"?>
 <ct:contentTypeSchema xmlns:ct="http://schemas.microsoft.com/office/2006/metadata/contentType" xmlns:ma="http://schemas.microsoft.com/office/2006/metadata/properties/metaAttributes" ct:_="" ma:_="" ma:contentTypeName="Document" ma:contentTypeID="0x010100F3BE32792613CC46B84177EFD2FD1F3F" ma:contentTypeVersion="16" ma:contentTypeDescription="Create a new document." ma:contentTypeScope="" ma:versionID="8e0a6dc71b74d0092e34cafaa830c7c3">
   <xsd:schema xmlns:xsd="http://www.w3.org/2001/XMLSchema" xmlns:xs="http://www.w3.org/2001/XMLSchema" xmlns:p="http://schemas.microsoft.com/office/2006/metadata/properties" xmlns:ns3="76c329b8-1b9b-4910-aef9-535b284a4dc7" xmlns:ns4="75817c9f-a069-4af9-bf19-88a4203e567d" targetNamespace="http://schemas.microsoft.com/office/2006/metadata/properties" ma:root="true" ma:fieldsID="cf655294306417df7d9bbecf07452674" ns3:_="" ns4:_="">
     <xsd:import namespace="76c329b8-1b9b-4910-aef9-535b284a4dc7"/>
@@ -7035,24 +7052,32 @@
 </ct:contentTypeSchema>
 </file>
 
-<file path=customXml/item2.xml><?xml version="1.0" encoding="utf-8"?>
-<?mso-contentType ?>
-<FormTemplates xmlns="http://schemas.microsoft.com/sharepoint/v3/contenttype/forms">
-  <Display>DocumentLibraryForm</Display>
-  <Edit>DocumentLibraryForm</Edit>
-  <New>DocumentLibraryForm</New>
-</FormTemplates>
+<file path=customXml/itemProps1.xml><?xml version="1.0" encoding="utf-8"?>
+<ds:datastoreItem xmlns:ds="http://schemas.openxmlformats.org/officeDocument/2006/customXml" ds:itemID="{3E8831A7-B48D-40B6-935D-6161DC03AD67}">
+  <ds:schemaRefs>
+    <ds:schemaRef ds:uri="http://schemas.microsoft.com/office/infopath/2007/PartnerControls"/>
+    <ds:schemaRef ds:uri="http://www.w3.org/XML/1998/namespace"/>
+    <ds:schemaRef ds:uri="http://purl.org/dc/dcmitype/"/>
+    <ds:schemaRef ds:uri="http://schemas.openxmlformats.org/package/2006/metadata/core-properties"/>
+    <ds:schemaRef ds:uri="http://schemas.microsoft.com/office/2006/documentManagement/types"/>
+    <ds:schemaRef ds:uri="http://schemas.microsoft.com/office/2006/metadata/properties"/>
+    <ds:schemaRef ds:uri="75817c9f-a069-4af9-bf19-88a4203e567d"/>
+    <ds:schemaRef ds:uri="76c329b8-1b9b-4910-aef9-535b284a4dc7"/>
+    <ds:schemaRef ds:uri="http://purl.org/dc/terms/"/>
+    <ds:schemaRef ds:uri="http://purl.org/dc/elements/1.1/"/>
+  </ds:schemaRefs>
+</ds:datastoreItem>
 </file>
 
-<file path=customXml/item3.xml><?xml version="1.0" encoding="utf-8"?>
-<p:properties xmlns:p="http://schemas.microsoft.com/office/2006/metadata/properties" xmlns:xsi="http://www.w3.org/2001/XMLSchema-instance" xmlns:pc="http://schemas.microsoft.com/office/infopath/2007/PartnerControls">
-  <documentManagement>
-    <_activity xmlns="75817c9f-a069-4af9-bf19-88a4203e567d" xsi:nil="true"/>
-  </documentManagement>
-</p:properties>
+<file path=customXml/itemProps2.xml><?xml version="1.0" encoding="utf-8"?>
+<ds:datastoreItem xmlns:ds="http://schemas.openxmlformats.org/officeDocument/2006/customXml" ds:itemID="{4E06FA0F-409F-4614-B962-6D90503E8593}">
+  <ds:schemaRefs>
+    <ds:schemaRef ds:uri="http://schemas.microsoft.com/sharepoint/v3/contenttype/forms"/>
+  </ds:schemaRefs>
+</ds:datastoreItem>
 </file>
 
-<file path=customXml/itemProps1.xml><?xml version="1.0" encoding="utf-8"?>
+<file path=customXml/itemProps3.xml><?xml version="1.0" encoding="utf-8"?>
 <ds:datastoreItem xmlns:ds="http://schemas.openxmlformats.org/officeDocument/2006/customXml" ds:itemID="{ECD5D998-A9CD-462C-8CEF-667153A0557B}">
   <ds:schemaRefs>
     <ds:schemaRef ds:uri="http://schemas.microsoft.com/office/2006/metadata/contentType"/>
@@ -7069,29 +7094,4 @@
     <ds:schemaRef ds:uri="http://schemas.microsoft.com/internal/obd"/>
   </ds:schemaRefs>
 </ds:datastoreItem>
-</file>
-
-<file path=customXml/itemProps2.xml><?xml version="1.0" encoding="utf-8"?>
-<ds:datastoreItem xmlns:ds="http://schemas.openxmlformats.org/officeDocument/2006/customXml" ds:itemID="{4E06FA0F-409F-4614-B962-6D90503E8593}">
-  <ds:schemaRefs>
-    <ds:schemaRef ds:uri="http://schemas.microsoft.com/sharepoint/v3/contenttype/forms"/>
-  </ds:schemaRefs>
-</ds:datastoreItem>
-</file>
-
-<file path=customXml/itemProps3.xml><?xml version="1.0" encoding="utf-8"?>
-<ds:datastoreItem xmlns:ds="http://schemas.openxmlformats.org/officeDocument/2006/customXml" ds:itemID="{3E8831A7-B48D-40B6-935D-6161DC03AD67}">
-  <ds:schemaRefs>
-    <ds:schemaRef ds:uri="http://schemas.microsoft.com/office/infopath/2007/PartnerControls"/>
-    <ds:schemaRef ds:uri="http://www.w3.org/XML/1998/namespace"/>
-    <ds:schemaRef ds:uri="http://purl.org/dc/dcmitype/"/>
-    <ds:schemaRef ds:uri="http://schemas.openxmlformats.org/package/2006/metadata/core-properties"/>
-    <ds:schemaRef ds:uri="http://schemas.microsoft.com/office/2006/documentManagement/types"/>
-    <ds:schemaRef ds:uri="http://schemas.microsoft.com/office/2006/metadata/properties"/>
-    <ds:schemaRef ds:uri="75817c9f-a069-4af9-bf19-88a4203e567d"/>
-    <ds:schemaRef ds:uri="76c329b8-1b9b-4910-aef9-535b284a4dc7"/>
-    <ds:schemaRef ds:uri="http://purl.org/dc/terms/"/>
-    <ds:schemaRef ds:uri="http://purl.org/dc/elements/1.1/"/>
-  </ds:schemaRefs>
-</ds:datastoreItem>
 </file>
--- a/coop2023.pptx
+++ b/coop2023.pptx
@@ -307,7 +307,7 @@
           <a:p>
             <a:fld id="{F5322EAD-D2F7-4471-A3D4-D7CBA503C35D}" type="datetimeFigureOut">
               <a:rPr lang="en-CA" smtClean="0"/>
-              <a:t>2023-11-26</a:t>
+              <a:t>2023-11-23</a:t>
             </a:fld>
             <a:endParaRPr lang="en-CA"/>
           </a:p>
@@ -477,7 +477,7 @@
           <a:p>
             <a:fld id="{F5322EAD-D2F7-4471-A3D4-D7CBA503C35D}" type="datetimeFigureOut">
               <a:rPr lang="en-CA" smtClean="0"/>
-              <a:t>2023-11-26</a:t>
+              <a:t>2023-11-23</a:t>
             </a:fld>
             <a:endParaRPr lang="en-CA"/>
           </a:p>
@@ -700,7 +700,7 @@
           <a:p>
             <a:fld id="{F5322EAD-D2F7-4471-A3D4-D7CBA503C35D}" type="datetimeFigureOut">
               <a:rPr lang="en-CA" smtClean="0"/>
-              <a:t>2023-11-26</a:t>
+              <a:t>2023-11-23</a:t>
             </a:fld>
             <a:endParaRPr lang="en-CA"/>
           </a:p>
@@ -880,7 +880,7 @@
           <a:p>
             <a:fld id="{F5322EAD-D2F7-4471-A3D4-D7CBA503C35D}" type="datetimeFigureOut">
               <a:rPr lang="en-CA" smtClean="0"/>
-              <a:t>2023-11-26</a:t>
+              <a:t>2023-11-23</a:t>
             </a:fld>
             <a:endParaRPr lang="en-CA"/>
           </a:p>
@@ -1186,7 +1186,7 @@
           <a:p>
             <a:fld id="{F5322EAD-D2F7-4471-A3D4-D7CBA503C35D}" type="datetimeFigureOut">
               <a:rPr lang="en-CA" smtClean="0"/>
-              <a:t>2023-11-26</a:t>
+              <a:t>2023-11-23</a:t>
             </a:fld>
             <a:endParaRPr lang="en-CA"/>
           </a:p>
@@ -1490,7 +1490,7 @@
           <a:p>
             <a:fld id="{F5322EAD-D2F7-4471-A3D4-D7CBA503C35D}" type="datetimeFigureOut">
               <a:rPr lang="en-CA" smtClean="0"/>
-              <a:t>2023-11-26</a:t>
+              <a:t>2023-11-23</a:t>
             </a:fld>
             <a:endParaRPr lang="en-CA"/>
           </a:p>
@@ -1912,7 +1912,7 @@
           <a:p>
             <a:fld id="{F5322EAD-D2F7-4471-A3D4-D7CBA503C35D}" type="datetimeFigureOut">
               <a:rPr lang="en-CA" smtClean="0"/>
-              <a:t>2023-11-26</a:t>
+              <a:t>2023-11-23</a:t>
             </a:fld>
             <a:endParaRPr lang="en-CA"/>
           </a:p>
@@ -2030,7 +2030,7 @@
           <a:p>
             <a:fld id="{F5322EAD-D2F7-4471-A3D4-D7CBA503C35D}" type="datetimeFigureOut">
               <a:rPr lang="en-CA" smtClean="0"/>
-              <a:t>2023-11-26</a:t>
+              <a:t>2023-11-23</a:t>
             </a:fld>
             <a:endParaRPr lang="en-CA"/>
           </a:p>
@@ -2125,7 +2125,7 @@
           <a:p>
             <a:fld id="{F5322EAD-D2F7-4471-A3D4-D7CBA503C35D}" type="datetimeFigureOut">
               <a:rPr lang="en-CA" smtClean="0"/>
-              <a:t>2023-11-26</a:t>
+              <a:t>2023-11-23</a:t>
             </a:fld>
             <a:endParaRPr lang="en-CA"/>
           </a:p>
@@ -2398,7 +2398,7 @@
           <a:p>
             <a:fld id="{F5322EAD-D2F7-4471-A3D4-D7CBA503C35D}" type="datetimeFigureOut">
               <a:rPr lang="en-CA" smtClean="0"/>
-              <a:t>2023-11-26</a:t>
+              <a:t>2023-11-23</a:t>
             </a:fld>
             <a:endParaRPr lang="en-CA"/>
           </a:p>
@@ -2663,7 +2663,7 @@
           <a:p>
             <a:fld id="{F5322EAD-D2F7-4471-A3D4-D7CBA503C35D}" type="datetimeFigureOut">
               <a:rPr lang="en-CA" smtClean="0"/>
-              <a:t>2023-11-26</a:t>
+              <a:t>2023-11-23</a:t>
             </a:fld>
             <a:endParaRPr lang="en-CA"/>
           </a:p>
@@ -2912,7 +2912,7 @@
           <a:p>
             <a:fld id="{F5322EAD-D2F7-4471-A3D4-D7CBA503C35D}" type="datetimeFigureOut">
               <a:rPr lang="en-CA" smtClean="0"/>
-              <a:t>2023-11-26</a:t>
+              <a:t>2023-11-23</a:t>
             </a:fld>
             <a:endParaRPr lang="en-CA"/>
           </a:p>
@@ -6795,23 +6795,6 @@
 </file>
 
 <file path=customXml/item1.xml><?xml version="1.0" encoding="utf-8"?>
-<p:properties xmlns:p="http://schemas.microsoft.com/office/2006/metadata/properties" xmlns:xsi="http://www.w3.org/2001/XMLSchema-instance" xmlns:pc="http://schemas.microsoft.com/office/infopath/2007/PartnerControls">
-  <documentManagement>
-    <_activity xmlns="75817c9f-a069-4af9-bf19-88a4203e567d" xsi:nil="true"/>
-  </documentManagement>
-</p:properties>
-</file>
-
-<file path=customXml/item2.xml><?xml version="1.0" encoding="utf-8"?>
-<?mso-contentType ?>
-<FormTemplates xmlns="http://schemas.microsoft.com/sharepoint/v3/contenttype/forms">
-  <Display>DocumentLibraryForm</Display>
-  <Edit>DocumentLibraryForm</Edit>
-  <New>DocumentLibraryForm</New>
-</FormTemplates>
-</file>
-
-<file path=customXml/item3.xml><?xml version="1.0" encoding="utf-8"?>
 <ct:contentTypeSchema xmlns:ct="http://schemas.microsoft.com/office/2006/metadata/contentType" xmlns:ma="http://schemas.microsoft.com/office/2006/metadata/properties/metaAttributes" ct:_="" ma:_="" ma:contentTypeName="Document" ma:contentTypeID="0x010100F3BE32792613CC46B84177EFD2FD1F3F" ma:contentTypeVersion="16" ma:contentTypeDescription="Create a new document." ma:contentTypeScope="" ma:versionID="8e0a6dc71b74d0092e34cafaa830c7c3">
   <xsd:schema xmlns:xsd="http://www.w3.org/2001/XMLSchema" xmlns:xs="http://www.w3.org/2001/XMLSchema" xmlns:p="http://schemas.microsoft.com/office/2006/metadata/properties" xmlns:ns3="76c329b8-1b9b-4910-aef9-535b284a4dc7" xmlns:ns4="75817c9f-a069-4af9-bf19-88a4203e567d" targetNamespace="http://schemas.microsoft.com/office/2006/metadata/properties" ma:root="true" ma:fieldsID="cf655294306417df7d9bbecf07452674" ns3:_="" ns4:_="">
     <xsd:import namespace="76c329b8-1b9b-4910-aef9-535b284a4dc7"/>
@@ -7052,32 +7035,24 @@
 </ct:contentTypeSchema>
 </file>
 
-<file path=customXml/itemProps1.xml><?xml version="1.0" encoding="utf-8"?>
-<ds:datastoreItem xmlns:ds="http://schemas.openxmlformats.org/officeDocument/2006/customXml" ds:itemID="{3E8831A7-B48D-40B6-935D-6161DC03AD67}">
-  <ds:schemaRefs>
-    <ds:schemaRef ds:uri="http://schemas.microsoft.com/office/infopath/2007/PartnerControls"/>
-    <ds:schemaRef ds:uri="http://www.w3.org/XML/1998/namespace"/>
-    <ds:schemaRef ds:uri="http://purl.org/dc/dcmitype/"/>
-    <ds:schemaRef ds:uri="http://schemas.openxmlformats.org/package/2006/metadata/core-properties"/>
-    <ds:schemaRef ds:uri="http://schemas.microsoft.com/office/2006/documentManagement/types"/>
-    <ds:schemaRef ds:uri="http://schemas.microsoft.com/office/2006/metadata/properties"/>
-    <ds:schemaRef ds:uri="75817c9f-a069-4af9-bf19-88a4203e567d"/>
-    <ds:schemaRef ds:uri="76c329b8-1b9b-4910-aef9-535b284a4dc7"/>
-    <ds:schemaRef ds:uri="http://purl.org/dc/terms/"/>
-    <ds:schemaRef ds:uri="http://purl.org/dc/elements/1.1/"/>
-  </ds:schemaRefs>
-</ds:datastoreItem>
+<file path=customXml/item2.xml><?xml version="1.0" encoding="utf-8"?>
+<?mso-contentType ?>
+<FormTemplates xmlns="http://schemas.microsoft.com/sharepoint/v3/contenttype/forms">
+  <Display>DocumentLibraryForm</Display>
+  <Edit>DocumentLibraryForm</Edit>
+  <New>DocumentLibraryForm</New>
+</FormTemplates>
 </file>
 
-<file path=customXml/itemProps2.xml><?xml version="1.0" encoding="utf-8"?>
-<ds:datastoreItem xmlns:ds="http://schemas.openxmlformats.org/officeDocument/2006/customXml" ds:itemID="{4E06FA0F-409F-4614-B962-6D90503E8593}">
-  <ds:schemaRefs>
-    <ds:schemaRef ds:uri="http://schemas.microsoft.com/sharepoint/v3/contenttype/forms"/>
-  </ds:schemaRefs>
-</ds:datastoreItem>
+<file path=customXml/item3.xml><?xml version="1.0" encoding="utf-8"?>
+<p:properties xmlns:p="http://schemas.microsoft.com/office/2006/metadata/properties" xmlns:xsi="http://www.w3.org/2001/XMLSchema-instance" xmlns:pc="http://schemas.microsoft.com/office/infopath/2007/PartnerControls">
+  <documentManagement>
+    <_activity xmlns="75817c9f-a069-4af9-bf19-88a4203e567d" xsi:nil="true"/>
+  </documentManagement>
+</p:properties>
 </file>
 
-<file path=customXml/itemProps3.xml><?xml version="1.0" encoding="utf-8"?>
+<file path=customXml/itemProps1.xml><?xml version="1.0" encoding="utf-8"?>
 <ds:datastoreItem xmlns:ds="http://schemas.openxmlformats.org/officeDocument/2006/customXml" ds:itemID="{ECD5D998-A9CD-462C-8CEF-667153A0557B}">
   <ds:schemaRefs>
     <ds:schemaRef ds:uri="http://schemas.microsoft.com/office/2006/metadata/contentType"/>
@@ -7094,4 +7069,29 @@
     <ds:schemaRef ds:uri="http://schemas.microsoft.com/internal/obd"/>
   </ds:schemaRefs>
 </ds:datastoreItem>
+</file>
+
+<file path=customXml/itemProps2.xml><?xml version="1.0" encoding="utf-8"?>
+<ds:datastoreItem xmlns:ds="http://schemas.openxmlformats.org/officeDocument/2006/customXml" ds:itemID="{4E06FA0F-409F-4614-B962-6D90503E8593}">
+  <ds:schemaRefs>
+    <ds:schemaRef ds:uri="http://schemas.microsoft.com/sharepoint/v3/contenttype/forms"/>
+  </ds:schemaRefs>
+</ds:datastoreItem>
+</file>
+
+<file path=customXml/itemProps3.xml><?xml version="1.0" encoding="utf-8"?>
+<ds:datastoreItem xmlns:ds="http://schemas.openxmlformats.org/officeDocument/2006/customXml" ds:itemID="{3E8831A7-B48D-40B6-935D-6161DC03AD67}">
+  <ds:schemaRefs>
+    <ds:schemaRef ds:uri="http://schemas.microsoft.com/office/infopath/2007/PartnerControls"/>
+    <ds:schemaRef ds:uri="http://www.w3.org/XML/1998/namespace"/>
+    <ds:schemaRef ds:uri="http://purl.org/dc/dcmitype/"/>
+    <ds:schemaRef ds:uri="http://schemas.openxmlformats.org/package/2006/metadata/core-properties"/>
+    <ds:schemaRef ds:uri="http://schemas.microsoft.com/office/2006/documentManagement/types"/>
+    <ds:schemaRef ds:uri="http://schemas.microsoft.com/office/2006/metadata/properties"/>
+    <ds:schemaRef ds:uri="75817c9f-a069-4af9-bf19-88a4203e567d"/>
+    <ds:schemaRef ds:uri="76c329b8-1b9b-4910-aef9-535b284a4dc7"/>
+    <ds:schemaRef ds:uri="http://purl.org/dc/terms/"/>
+    <ds:schemaRef ds:uri="http://purl.org/dc/elements/1.1/"/>
+  </ds:schemaRefs>
+</ds:datastoreItem>
 </file>